--- a/Workshop-conclusion/MEAN Stack Conclusion.pptx
+++ b/Workshop-conclusion/MEAN Stack Conclusion.pptx
@@ -5,24 +5,24 @@
     <p:sldMasterId id="2147483648" r:id="rId1"/>
   </p:sldMasterIdLst>
   <p:sldIdLst>
-    <p:sldId id="256" r:id="rId3"/>
-    <p:sldId id="258" r:id="rId4"/>
-    <p:sldId id="257" r:id="rId5"/>
-    <p:sldId id="259" r:id="rId6"/>
-    <p:sldId id="260" r:id="rId7"/>
-    <p:sldId id="261" r:id="rId8"/>
-    <p:sldId id="262" r:id="rId9"/>
-    <p:sldId id="263" r:id="rId10"/>
-    <p:sldId id="266" r:id="rId11"/>
-    <p:sldId id="264" r:id="rId12"/>
-    <p:sldId id="270" r:id="rId13"/>
-    <p:sldId id="265" r:id="rId14"/>
-    <p:sldId id="268" r:id="rId15"/>
-    <p:sldId id="269" r:id="rId16"/>
-    <p:sldId id="271" r:id="rId17"/>
-    <p:sldId id="272" r:id="rId18"/>
-    <p:sldId id="278" r:id="rId19"/>
-    <p:sldId id="273" r:id="rId20"/>
+    <p:sldId id="279" r:id="rId2"/>
+    <p:sldId id="258" r:id="rId3"/>
+    <p:sldId id="257" r:id="rId4"/>
+    <p:sldId id="259" r:id="rId5"/>
+    <p:sldId id="260" r:id="rId6"/>
+    <p:sldId id="261" r:id="rId7"/>
+    <p:sldId id="262" r:id="rId8"/>
+    <p:sldId id="263" r:id="rId9"/>
+    <p:sldId id="266" r:id="rId10"/>
+    <p:sldId id="264" r:id="rId11"/>
+    <p:sldId id="270" r:id="rId12"/>
+    <p:sldId id="265" r:id="rId13"/>
+    <p:sldId id="268" r:id="rId14"/>
+    <p:sldId id="269" r:id="rId15"/>
+    <p:sldId id="271" r:id="rId16"/>
+    <p:sldId id="272" r:id="rId17"/>
+    <p:sldId id="278" r:id="rId18"/>
+    <p:sldId id="273" r:id="rId19"/>
   </p:sldIdLst>
   <p:sldSz cx="12192000" cy="6858000"/>
   <p:notesSz cx="6858000" cy="9144000"/>
@@ -121,6 +121,11 @@
       </a:defRPr>
     </a:lvl9pPr>
   </p:defaultTextStyle>
+  <p:extLst>
+    <p:ext uri="{EFAFB233-063F-42B5-8137-9DF3F51BA10A}">
+      <p15:sldGuideLst xmlns:p15="http://schemas.microsoft.com/office/powerpoint/2012/main"/>
+    </p:ext>
+  </p:extLst>
 </p:presentation>
 </file>
 
@@ -166,10 +171,9 @@
           </a:lstStyle>
           <a:p>
             <a:r>
-              <a:rPr lang="en-US" smtClean="0"/>
+              <a:rPr lang="en-US"/>
               <a:t>Click to edit Master title style</a:t>
             </a:r>
-            <a:endParaRPr lang="en-US"/>
           </a:p>
         </p:txBody>
       </p:sp>
@@ -231,10 +235,9 @@
           </a:lstStyle>
           <a:p>
             <a:r>
-              <a:rPr lang="en-US" smtClean="0"/>
+              <a:rPr lang="en-US"/>
               <a:t>Click to edit Master subtitle style</a:t>
             </a:r>
-            <a:endParaRPr lang="en-US"/>
           </a:p>
         </p:txBody>
       </p:sp>
@@ -255,6 +258,7 @@
           <a:p>
             <a:fld id="{63A1C593-65D0-4073-BCC9-577B9352EA97}" type="datetimeFigureOut">
               <a:rPr lang="en-US" smtClean="0"/>
+              <a:t>2/15/2024</a:t>
             </a:fld>
             <a:endParaRPr lang="en-US"/>
           </a:p>
@@ -296,6 +300,7 @@
           <a:p>
             <a:fld id="{9B618960-8005-486C-9A75-10CB2AAC16F9}" type="slidenum">
               <a:rPr lang="en-US" smtClean="0"/>
+              <a:t>‹#›</a:t>
             </a:fld>
             <a:endParaRPr lang="en-US"/>
           </a:p>
@@ -342,10 +347,9 @@
           <a:lstStyle/>
           <a:p>
             <a:r>
-              <a:rPr lang="en-US" smtClean="0"/>
+              <a:rPr lang="en-US"/>
               <a:t>Click to edit Master title style</a:t>
             </a:r>
-            <a:endParaRPr lang="en-US"/>
           </a:p>
         </p:txBody>
       </p:sp>
@@ -366,42 +370,37 @@
           <a:p>
             <a:pPr lvl="0"/>
             <a:r>
-              <a:rPr lang="en-US" smtClean="0"/>
+              <a:rPr lang="en-US"/>
               <a:t>Click to edit Master text styles</a:t>
             </a:r>
-            <a:endParaRPr lang="en-US" smtClean="0"/>
-          </a:p>
-          <a:p>
-            <a:pPr lvl="1"/>
-            <a:r>
-              <a:rPr lang="en-US" smtClean="0"/>
+          </a:p>
+          <a:p>
+            <a:pPr lvl="1"/>
+            <a:r>
+              <a:rPr lang="en-US"/>
               <a:t>Second level</a:t>
             </a:r>
-            <a:endParaRPr lang="en-US" smtClean="0"/>
           </a:p>
           <a:p>
             <a:pPr lvl="2"/>
             <a:r>
-              <a:rPr lang="en-US" smtClean="0"/>
+              <a:rPr lang="en-US"/>
               <a:t>Third level</a:t>
             </a:r>
-            <a:endParaRPr lang="en-US" smtClean="0"/>
           </a:p>
           <a:p>
             <a:pPr lvl="3"/>
             <a:r>
-              <a:rPr lang="en-US" smtClean="0"/>
+              <a:rPr lang="en-US"/>
               <a:t>Fourth level</a:t>
             </a:r>
-            <a:endParaRPr lang="en-US" smtClean="0"/>
           </a:p>
           <a:p>
             <a:pPr lvl="4"/>
             <a:r>
-              <a:rPr lang="en-US" smtClean="0"/>
+              <a:rPr lang="en-US"/>
               <a:t>Fifth level</a:t>
             </a:r>
-            <a:endParaRPr lang="en-US"/>
           </a:p>
         </p:txBody>
       </p:sp>
@@ -422,6 +421,7 @@
           <a:p>
             <a:fld id="{63A1C593-65D0-4073-BCC9-577B9352EA97}" type="datetimeFigureOut">
               <a:rPr lang="en-US" smtClean="0"/>
+              <a:t>2/15/2024</a:t>
             </a:fld>
             <a:endParaRPr lang="en-US"/>
           </a:p>
@@ -463,6 +463,7 @@
           <a:p>
             <a:fld id="{9B618960-8005-486C-9A75-10CB2AAC16F9}" type="slidenum">
               <a:rPr lang="en-US" smtClean="0"/>
+              <a:t>‹#›</a:t>
             </a:fld>
             <a:endParaRPr lang="en-US"/>
           </a:p>
@@ -514,10 +515,9 @@
           <a:lstStyle/>
           <a:p>
             <a:r>
-              <a:rPr lang="en-US" smtClean="0"/>
+              <a:rPr lang="en-US"/>
               <a:t>Click to edit Master title style</a:t>
             </a:r>
-            <a:endParaRPr lang="en-US"/>
           </a:p>
         </p:txBody>
       </p:sp>
@@ -543,42 +543,37 @@
           <a:p>
             <a:pPr lvl="0"/>
             <a:r>
-              <a:rPr lang="en-US" smtClean="0"/>
+              <a:rPr lang="en-US"/>
               <a:t>Click to edit Master text styles</a:t>
             </a:r>
-            <a:endParaRPr lang="en-US" smtClean="0"/>
-          </a:p>
-          <a:p>
-            <a:pPr lvl="1"/>
-            <a:r>
-              <a:rPr lang="en-US" smtClean="0"/>
+          </a:p>
+          <a:p>
+            <a:pPr lvl="1"/>
+            <a:r>
+              <a:rPr lang="en-US"/>
               <a:t>Second level</a:t>
             </a:r>
-            <a:endParaRPr lang="en-US" smtClean="0"/>
           </a:p>
           <a:p>
             <a:pPr lvl="2"/>
             <a:r>
-              <a:rPr lang="en-US" smtClean="0"/>
+              <a:rPr lang="en-US"/>
               <a:t>Third level</a:t>
             </a:r>
-            <a:endParaRPr lang="en-US" smtClean="0"/>
           </a:p>
           <a:p>
             <a:pPr lvl="3"/>
             <a:r>
-              <a:rPr lang="en-US" smtClean="0"/>
+              <a:rPr lang="en-US"/>
               <a:t>Fourth level</a:t>
             </a:r>
-            <a:endParaRPr lang="en-US" smtClean="0"/>
           </a:p>
           <a:p>
             <a:pPr lvl="4"/>
             <a:r>
-              <a:rPr lang="en-US" smtClean="0"/>
+              <a:rPr lang="en-US"/>
               <a:t>Fifth level</a:t>
             </a:r>
-            <a:endParaRPr lang="en-US"/>
           </a:p>
         </p:txBody>
       </p:sp>
@@ -599,6 +594,7 @@
           <a:p>
             <a:fld id="{63A1C593-65D0-4073-BCC9-577B9352EA97}" type="datetimeFigureOut">
               <a:rPr lang="en-US" smtClean="0"/>
+              <a:t>2/15/2024</a:t>
             </a:fld>
             <a:endParaRPr lang="en-US"/>
           </a:p>
@@ -640,6 +636,7 @@
           <a:p>
             <a:fld id="{9B618960-8005-486C-9A75-10CB2AAC16F9}" type="slidenum">
               <a:rPr lang="en-US" smtClean="0"/>
+              <a:t>‹#›</a:t>
             </a:fld>
             <a:endParaRPr lang="en-US"/>
           </a:p>
@@ -686,10 +683,9 @@
           <a:lstStyle/>
           <a:p>
             <a:r>
-              <a:rPr lang="en-US" smtClean="0"/>
+              <a:rPr lang="en-US"/>
               <a:t>Click to edit Master title style</a:t>
             </a:r>
-            <a:endParaRPr lang="en-US"/>
           </a:p>
         </p:txBody>
       </p:sp>
@@ -710,42 +706,37 @@
           <a:p>
             <a:pPr lvl="0"/>
             <a:r>
-              <a:rPr lang="en-US" smtClean="0"/>
+              <a:rPr lang="en-US"/>
               <a:t>Click to edit Master text styles</a:t>
             </a:r>
-            <a:endParaRPr lang="en-US" smtClean="0"/>
-          </a:p>
-          <a:p>
-            <a:pPr lvl="1"/>
-            <a:r>
-              <a:rPr lang="en-US" smtClean="0"/>
+          </a:p>
+          <a:p>
+            <a:pPr lvl="1"/>
+            <a:r>
+              <a:rPr lang="en-US"/>
               <a:t>Second level</a:t>
             </a:r>
-            <a:endParaRPr lang="en-US" smtClean="0"/>
           </a:p>
           <a:p>
             <a:pPr lvl="2"/>
             <a:r>
-              <a:rPr lang="en-US" smtClean="0"/>
+              <a:rPr lang="en-US"/>
               <a:t>Third level</a:t>
             </a:r>
-            <a:endParaRPr lang="en-US" smtClean="0"/>
           </a:p>
           <a:p>
             <a:pPr lvl="3"/>
             <a:r>
-              <a:rPr lang="en-US" smtClean="0"/>
+              <a:rPr lang="en-US"/>
               <a:t>Fourth level</a:t>
             </a:r>
-            <a:endParaRPr lang="en-US" smtClean="0"/>
           </a:p>
           <a:p>
             <a:pPr lvl="4"/>
             <a:r>
-              <a:rPr lang="en-US" smtClean="0"/>
+              <a:rPr lang="en-US"/>
               <a:t>Fifth level</a:t>
             </a:r>
-            <a:endParaRPr lang="en-US"/>
           </a:p>
         </p:txBody>
       </p:sp>
@@ -766,6 +757,7 @@
           <a:p>
             <a:fld id="{63A1C593-65D0-4073-BCC9-577B9352EA97}" type="datetimeFigureOut">
               <a:rPr lang="en-US" smtClean="0"/>
+              <a:t>2/15/2024</a:t>
             </a:fld>
             <a:endParaRPr lang="en-US"/>
           </a:p>
@@ -807,6 +799,7 @@
           <a:p>
             <a:fld id="{9B618960-8005-486C-9A75-10CB2AAC16F9}" type="slidenum">
               <a:rPr lang="en-US" smtClean="0"/>
+              <a:t>‹#›</a:t>
             </a:fld>
             <a:endParaRPr lang="en-US"/>
           </a:p>
@@ -862,10 +855,9 @@
           </a:lstStyle>
           <a:p>
             <a:r>
-              <a:rPr lang="en-US" smtClean="0"/>
+              <a:rPr lang="en-US"/>
               <a:t>Click to edit Master title style</a:t>
             </a:r>
-            <a:endParaRPr lang="en-US"/>
           </a:p>
         </p:txBody>
       </p:sp>
@@ -982,10 +974,9 @@
           <a:p>
             <a:pPr lvl="0"/>
             <a:r>
-              <a:rPr lang="en-US" smtClean="0"/>
+              <a:rPr lang="en-US"/>
               <a:t>Click to edit Master text styles</a:t>
             </a:r>
-            <a:endParaRPr lang="en-US" smtClean="0"/>
           </a:p>
         </p:txBody>
       </p:sp>
@@ -1006,6 +997,7 @@
           <a:p>
             <a:fld id="{63A1C593-65D0-4073-BCC9-577B9352EA97}" type="datetimeFigureOut">
               <a:rPr lang="en-US" smtClean="0"/>
+              <a:t>2/15/2024</a:t>
             </a:fld>
             <a:endParaRPr lang="en-US"/>
           </a:p>
@@ -1047,6 +1039,7 @@
           <a:p>
             <a:fld id="{9B618960-8005-486C-9A75-10CB2AAC16F9}" type="slidenum">
               <a:rPr lang="en-US" smtClean="0"/>
+              <a:t>‹#›</a:t>
             </a:fld>
             <a:endParaRPr lang="en-US"/>
           </a:p>
@@ -1093,10 +1086,9 @@
           <a:lstStyle/>
           <a:p>
             <a:r>
-              <a:rPr lang="en-US" smtClean="0"/>
+              <a:rPr lang="en-US"/>
               <a:t>Click to edit Master title style</a:t>
             </a:r>
-            <a:endParaRPr lang="en-US"/>
           </a:p>
         </p:txBody>
       </p:sp>
@@ -1122,42 +1114,37 @@
           <a:p>
             <a:pPr lvl="0"/>
             <a:r>
-              <a:rPr lang="en-US" smtClean="0"/>
+              <a:rPr lang="en-US"/>
               <a:t>Click to edit Master text styles</a:t>
             </a:r>
-            <a:endParaRPr lang="en-US" smtClean="0"/>
-          </a:p>
-          <a:p>
-            <a:pPr lvl="1"/>
-            <a:r>
-              <a:rPr lang="en-US" smtClean="0"/>
+          </a:p>
+          <a:p>
+            <a:pPr lvl="1"/>
+            <a:r>
+              <a:rPr lang="en-US"/>
               <a:t>Second level</a:t>
             </a:r>
-            <a:endParaRPr lang="en-US" smtClean="0"/>
           </a:p>
           <a:p>
             <a:pPr lvl="2"/>
             <a:r>
-              <a:rPr lang="en-US" smtClean="0"/>
+              <a:rPr lang="en-US"/>
               <a:t>Third level</a:t>
             </a:r>
-            <a:endParaRPr lang="en-US" smtClean="0"/>
           </a:p>
           <a:p>
             <a:pPr lvl="3"/>
             <a:r>
-              <a:rPr lang="en-US" smtClean="0"/>
+              <a:rPr lang="en-US"/>
               <a:t>Fourth level</a:t>
             </a:r>
-            <a:endParaRPr lang="en-US" smtClean="0"/>
           </a:p>
           <a:p>
             <a:pPr lvl="4"/>
             <a:r>
-              <a:rPr lang="en-US" smtClean="0"/>
+              <a:rPr lang="en-US"/>
               <a:t>Fifth level</a:t>
             </a:r>
-            <a:endParaRPr lang="en-US"/>
           </a:p>
         </p:txBody>
       </p:sp>
@@ -1183,42 +1170,37 @@
           <a:p>
             <a:pPr lvl="0"/>
             <a:r>
-              <a:rPr lang="en-US" smtClean="0"/>
+              <a:rPr lang="en-US"/>
               <a:t>Click to edit Master text styles</a:t>
             </a:r>
-            <a:endParaRPr lang="en-US" smtClean="0"/>
-          </a:p>
-          <a:p>
-            <a:pPr lvl="1"/>
-            <a:r>
-              <a:rPr lang="en-US" smtClean="0"/>
+          </a:p>
+          <a:p>
+            <a:pPr lvl="1"/>
+            <a:r>
+              <a:rPr lang="en-US"/>
               <a:t>Second level</a:t>
             </a:r>
-            <a:endParaRPr lang="en-US" smtClean="0"/>
           </a:p>
           <a:p>
             <a:pPr lvl="2"/>
             <a:r>
-              <a:rPr lang="en-US" smtClean="0"/>
+              <a:rPr lang="en-US"/>
               <a:t>Third level</a:t>
             </a:r>
-            <a:endParaRPr lang="en-US" smtClean="0"/>
           </a:p>
           <a:p>
             <a:pPr lvl="3"/>
             <a:r>
-              <a:rPr lang="en-US" smtClean="0"/>
+              <a:rPr lang="en-US"/>
               <a:t>Fourth level</a:t>
             </a:r>
-            <a:endParaRPr lang="en-US" smtClean="0"/>
           </a:p>
           <a:p>
             <a:pPr lvl="4"/>
             <a:r>
-              <a:rPr lang="en-US" smtClean="0"/>
+              <a:rPr lang="en-US"/>
               <a:t>Fifth level</a:t>
             </a:r>
-            <a:endParaRPr lang="en-US"/>
           </a:p>
         </p:txBody>
       </p:sp>
@@ -1239,6 +1221,7 @@
           <a:p>
             <a:fld id="{63A1C593-65D0-4073-BCC9-577B9352EA97}" type="datetimeFigureOut">
               <a:rPr lang="en-US" smtClean="0"/>
+              <a:t>2/15/2024</a:t>
             </a:fld>
             <a:endParaRPr lang="en-US"/>
           </a:p>
@@ -1280,6 +1263,7 @@
           <a:p>
             <a:fld id="{9B618960-8005-486C-9A75-10CB2AAC16F9}" type="slidenum">
               <a:rPr lang="en-US" smtClean="0"/>
+              <a:t>‹#›</a:t>
             </a:fld>
             <a:endParaRPr lang="en-US"/>
           </a:p>
@@ -1331,10 +1315,9 @@
           <a:lstStyle/>
           <a:p>
             <a:r>
-              <a:rPr lang="en-US" smtClean="0"/>
+              <a:rPr lang="en-US"/>
               <a:t>Click to edit Master title style</a:t>
             </a:r>
-            <a:endParaRPr lang="en-US"/>
           </a:p>
         </p:txBody>
       </p:sp>
@@ -1397,10 +1380,9 @@
           <a:p>
             <a:pPr lvl="0"/>
             <a:r>
-              <a:rPr lang="en-US" smtClean="0"/>
+              <a:rPr lang="en-US"/>
               <a:t>Click to edit Master text styles</a:t>
             </a:r>
-            <a:endParaRPr lang="en-US" smtClean="0"/>
           </a:p>
         </p:txBody>
       </p:sp>
@@ -1426,42 +1408,37 @@
           <a:p>
             <a:pPr lvl="0"/>
             <a:r>
-              <a:rPr lang="en-US" smtClean="0"/>
+              <a:rPr lang="en-US"/>
               <a:t>Click to edit Master text styles</a:t>
             </a:r>
-            <a:endParaRPr lang="en-US" smtClean="0"/>
-          </a:p>
-          <a:p>
-            <a:pPr lvl="1"/>
-            <a:r>
-              <a:rPr lang="en-US" smtClean="0"/>
+          </a:p>
+          <a:p>
+            <a:pPr lvl="1"/>
+            <a:r>
+              <a:rPr lang="en-US"/>
               <a:t>Second level</a:t>
             </a:r>
-            <a:endParaRPr lang="en-US" smtClean="0"/>
           </a:p>
           <a:p>
             <a:pPr lvl="2"/>
             <a:r>
-              <a:rPr lang="en-US" smtClean="0"/>
+              <a:rPr lang="en-US"/>
               <a:t>Third level</a:t>
             </a:r>
-            <a:endParaRPr lang="en-US" smtClean="0"/>
           </a:p>
           <a:p>
             <a:pPr lvl="3"/>
             <a:r>
-              <a:rPr lang="en-US" smtClean="0"/>
+              <a:rPr lang="en-US"/>
               <a:t>Fourth level</a:t>
             </a:r>
-            <a:endParaRPr lang="en-US" smtClean="0"/>
           </a:p>
           <a:p>
             <a:pPr lvl="4"/>
             <a:r>
-              <a:rPr lang="en-US" smtClean="0"/>
+              <a:rPr lang="en-US"/>
               <a:t>Fifth level</a:t>
             </a:r>
-            <a:endParaRPr lang="en-US"/>
           </a:p>
         </p:txBody>
       </p:sp>
@@ -1524,10 +1501,9 @@
           <a:p>
             <a:pPr lvl="0"/>
             <a:r>
-              <a:rPr lang="en-US" smtClean="0"/>
+              <a:rPr lang="en-US"/>
               <a:t>Click to edit Master text styles</a:t>
             </a:r>
-            <a:endParaRPr lang="en-US" smtClean="0"/>
           </a:p>
         </p:txBody>
       </p:sp>
@@ -1553,42 +1529,37 @@
           <a:p>
             <a:pPr lvl="0"/>
             <a:r>
-              <a:rPr lang="en-US" smtClean="0"/>
+              <a:rPr lang="en-US"/>
               <a:t>Click to edit Master text styles</a:t>
             </a:r>
-            <a:endParaRPr lang="en-US" smtClean="0"/>
-          </a:p>
-          <a:p>
-            <a:pPr lvl="1"/>
-            <a:r>
-              <a:rPr lang="en-US" smtClean="0"/>
+          </a:p>
+          <a:p>
+            <a:pPr lvl="1"/>
+            <a:r>
+              <a:rPr lang="en-US"/>
               <a:t>Second level</a:t>
             </a:r>
-            <a:endParaRPr lang="en-US" smtClean="0"/>
           </a:p>
           <a:p>
             <a:pPr lvl="2"/>
             <a:r>
-              <a:rPr lang="en-US" smtClean="0"/>
+              <a:rPr lang="en-US"/>
               <a:t>Third level</a:t>
             </a:r>
-            <a:endParaRPr lang="en-US" smtClean="0"/>
           </a:p>
           <a:p>
             <a:pPr lvl="3"/>
             <a:r>
-              <a:rPr lang="en-US" smtClean="0"/>
+              <a:rPr lang="en-US"/>
               <a:t>Fourth level</a:t>
             </a:r>
-            <a:endParaRPr lang="en-US" smtClean="0"/>
           </a:p>
           <a:p>
             <a:pPr lvl="4"/>
             <a:r>
-              <a:rPr lang="en-US" smtClean="0"/>
+              <a:rPr lang="en-US"/>
               <a:t>Fifth level</a:t>
             </a:r>
-            <a:endParaRPr lang="en-US"/>
           </a:p>
         </p:txBody>
       </p:sp>
@@ -1609,6 +1580,7 @@
           <a:p>
             <a:fld id="{63A1C593-65D0-4073-BCC9-577B9352EA97}" type="datetimeFigureOut">
               <a:rPr lang="en-US" smtClean="0"/>
+              <a:t>2/15/2024</a:t>
             </a:fld>
             <a:endParaRPr lang="en-US"/>
           </a:p>
@@ -1650,6 +1622,7 @@
           <a:p>
             <a:fld id="{9B618960-8005-486C-9A75-10CB2AAC16F9}" type="slidenum">
               <a:rPr lang="en-US" smtClean="0"/>
+              <a:t>‹#›</a:t>
             </a:fld>
             <a:endParaRPr lang="en-US"/>
           </a:p>
@@ -1696,10 +1669,9 @@
           <a:lstStyle/>
           <a:p>
             <a:r>
-              <a:rPr lang="en-US" smtClean="0"/>
+              <a:rPr lang="en-US"/>
               <a:t>Click to edit Master title style</a:t>
             </a:r>
-            <a:endParaRPr lang="en-US"/>
           </a:p>
         </p:txBody>
       </p:sp>
@@ -1720,6 +1692,7 @@
           <a:p>
             <a:fld id="{63A1C593-65D0-4073-BCC9-577B9352EA97}" type="datetimeFigureOut">
               <a:rPr lang="en-US" smtClean="0"/>
+              <a:t>2/15/2024</a:t>
             </a:fld>
             <a:endParaRPr lang="en-US"/>
           </a:p>
@@ -1761,6 +1734,7 @@
           <a:p>
             <a:fld id="{9B618960-8005-486C-9A75-10CB2AAC16F9}" type="slidenum">
               <a:rPr lang="en-US" smtClean="0"/>
+              <a:t>‹#›</a:t>
             </a:fld>
             <a:endParaRPr lang="en-US"/>
           </a:p>
@@ -1808,6 +1782,7 @@
           <a:p>
             <a:fld id="{63A1C593-65D0-4073-BCC9-577B9352EA97}" type="datetimeFigureOut">
               <a:rPr lang="en-US" smtClean="0"/>
+              <a:t>2/15/2024</a:t>
             </a:fld>
             <a:endParaRPr lang="en-US"/>
           </a:p>
@@ -1849,6 +1824,7 @@
           <a:p>
             <a:fld id="{9B618960-8005-486C-9A75-10CB2AAC16F9}" type="slidenum">
               <a:rPr lang="en-US" smtClean="0"/>
+              <a:t>‹#›</a:t>
             </a:fld>
             <a:endParaRPr lang="en-US"/>
           </a:p>
@@ -1904,10 +1880,9 @@
           </a:lstStyle>
           <a:p>
             <a:r>
-              <a:rPr lang="en-US" smtClean="0"/>
+              <a:rPr lang="en-US"/>
               <a:t>Click to edit Master title style</a:t>
             </a:r>
-            <a:endParaRPr lang="en-US"/>
           </a:p>
         </p:txBody>
       </p:sp>
@@ -1961,42 +1936,37 @@
           <a:p>
             <a:pPr lvl="0"/>
             <a:r>
-              <a:rPr lang="en-US" smtClean="0"/>
+              <a:rPr lang="en-US"/>
               <a:t>Click to edit Master text styles</a:t>
             </a:r>
-            <a:endParaRPr lang="en-US" smtClean="0"/>
-          </a:p>
-          <a:p>
-            <a:pPr lvl="1"/>
-            <a:r>
-              <a:rPr lang="en-US" smtClean="0"/>
+          </a:p>
+          <a:p>
+            <a:pPr lvl="1"/>
+            <a:r>
+              <a:rPr lang="en-US"/>
               <a:t>Second level</a:t>
             </a:r>
-            <a:endParaRPr lang="en-US" smtClean="0"/>
           </a:p>
           <a:p>
             <a:pPr lvl="2"/>
             <a:r>
-              <a:rPr lang="en-US" smtClean="0"/>
+              <a:rPr lang="en-US"/>
               <a:t>Third level</a:t>
             </a:r>
-            <a:endParaRPr lang="en-US" smtClean="0"/>
           </a:p>
           <a:p>
             <a:pPr lvl="3"/>
             <a:r>
-              <a:rPr lang="en-US" smtClean="0"/>
+              <a:rPr lang="en-US"/>
               <a:t>Fourth level</a:t>
             </a:r>
-            <a:endParaRPr lang="en-US" smtClean="0"/>
           </a:p>
           <a:p>
             <a:pPr lvl="4"/>
             <a:r>
-              <a:rPr lang="en-US" smtClean="0"/>
+              <a:rPr lang="en-US"/>
               <a:t>Fifth level</a:t>
             </a:r>
-            <a:endParaRPr lang="en-US"/>
           </a:p>
         </p:txBody>
       </p:sp>
@@ -2059,10 +2029,9 @@
           <a:p>
             <a:pPr lvl="0"/>
             <a:r>
-              <a:rPr lang="en-US" smtClean="0"/>
+              <a:rPr lang="en-US"/>
               <a:t>Click to edit Master text styles</a:t>
             </a:r>
-            <a:endParaRPr lang="en-US" smtClean="0"/>
           </a:p>
         </p:txBody>
       </p:sp>
@@ -2083,6 +2052,7 @@
           <a:p>
             <a:fld id="{63A1C593-65D0-4073-BCC9-577B9352EA97}" type="datetimeFigureOut">
               <a:rPr lang="en-US" smtClean="0"/>
+              <a:t>2/15/2024</a:t>
             </a:fld>
             <a:endParaRPr lang="en-US"/>
           </a:p>
@@ -2124,6 +2094,7 @@
           <a:p>
             <a:fld id="{9B618960-8005-486C-9A75-10CB2AAC16F9}" type="slidenum">
               <a:rPr lang="en-US" smtClean="0"/>
+              <a:t>‹#›</a:t>
             </a:fld>
             <a:endParaRPr lang="en-US"/>
           </a:p>
@@ -2179,10 +2150,9 @@
           </a:lstStyle>
           <a:p>
             <a:r>
-              <a:rPr lang="en-US" smtClean="0"/>
+              <a:rPr lang="en-US"/>
               <a:t>Click to edit Master title style</a:t>
             </a:r>
-            <a:endParaRPr lang="en-US"/>
           </a:p>
         </p:txBody>
       </p:sp>
@@ -2306,10 +2276,9 @@
           <a:p>
             <a:pPr lvl="0"/>
             <a:r>
-              <a:rPr lang="en-US" smtClean="0"/>
+              <a:rPr lang="en-US"/>
               <a:t>Click to edit Master text styles</a:t>
             </a:r>
-            <a:endParaRPr lang="en-US" smtClean="0"/>
           </a:p>
         </p:txBody>
       </p:sp>
@@ -2330,6 +2299,7 @@
           <a:p>
             <a:fld id="{63A1C593-65D0-4073-BCC9-577B9352EA97}" type="datetimeFigureOut">
               <a:rPr lang="en-US" smtClean="0"/>
+              <a:t>2/15/2024</a:t>
             </a:fld>
             <a:endParaRPr lang="en-US"/>
           </a:p>
@@ -2371,6 +2341,7 @@
           <a:p>
             <a:fld id="{9B618960-8005-486C-9A75-10CB2AAC16F9}" type="slidenum">
               <a:rPr lang="en-US" smtClean="0"/>
+              <a:t>‹#›</a:t>
             </a:fld>
             <a:endParaRPr lang="en-US"/>
           </a:p>
@@ -2432,10 +2403,9 @@
           <a:lstStyle/>
           <a:p>
             <a:r>
-              <a:rPr lang="en-US" smtClean="0"/>
+              <a:rPr lang="en-US"/>
               <a:t>Click to edit Master title style</a:t>
             </a:r>
-            <a:endParaRPr lang="en-US"/>
           </a:p>
         </p:txBody>
       </p:sp>
@@ -2466,42 +2436,37 @@
           <a:p>
             <a:pPr lvl="0"/>
             <a:r>
-              <a:rPr lang="en-US" smtClean="0"/>
+              <a:rPr lang="en-US"/>
               <a:t>Click to edit Master text styles</a:t>
             </a:r>
-            <a:endParaRPr lang="en-US" smtClean="0"/>
-          </a:p>
-          <a:p>
-            <a:pPr lvl="1"/>
-            <a:r>
-              <a:rPr lang="en-US" smtClean="0"/>
+          </a:p>
+          <a:p>
+            <a:pPr lvl="1"/>
+            <a:r>
+              <a:rPr lang="en-US"/>
               <a:t>Second level</a:t>
             </a:r>
-            <a:endParaRPr lang="en-US" smtClean="0"/>
           </a:p>
           <a:p>
             <a:pPr lvl="2"/>
             <a:r>
-              <a:rPr lang="en-US" smtClean="0"/>
+              <a:rPr lang="en-US"/>
               <a:t>Third level</a:t>
             </a:r>
-            <a:endParaRPr lang="en-US" smtClean="0"/>
           </a:p>
           <a:p>
             <a:pPr lvl="3"/>
             <a:r>
-              <a:rPr lang="en-US" smtClean="0"/>
+              <a:rPr lang="en-US"/>
               <a:t>Fourth level</a:t>
             </a:r>
-            <a:endParaRPr lang="en-US" smtClean="0"/>
           </a:p>
           <a:p>
             <a:pPr lvl="4"/>
             <a:r>
-              <a:rPr lang="en-US" smtClean="0"/>
+              <a:rPr lang="en-US"/>
               <a:t>Fifth level</a:t>
             </a:r>
-            <a:endParaRPr lang="en-US"/>
           </a:p>
         </p:txBody>
       </p:sp>
@@ -2540,6 +2505,7 @@
           <a:p>
             <a:fld id="{63A1C593-65D0-4073-BCC9-577B9352EA97}" type="datetimeFigureOut">
               <a:rPr lang="en-US" smtClean="0"/>
+              <a:t>2/15/2024</a:t>
             </a:fld>
             <a:endParaRPr lang="en-US"/>
           </a:p>
@@ -2617,6 +2583,7 @@
           <a:p>
             <a:fld id="{9B618960-8005-486C-9A75-10CB2AAC16F9}" type="slidenum">
               <a:rPr lang="en-US" smtClean="0"/>
+              <a:t>‹#›</a:t>
             </a:fld>
             <a:endParaRPr lang="en-US"/>
           </a:p>
@@ -2938,57 +2905,141 @@
           <a:chExt cx="0" cy="0"/>
         </a:xfrm>
       </p:grpSpPr>
-      <p:sp>
-        <p:nvSpPr>
-          <p:cNvPr id="2" name="Title 1"/>
-          <p:cNvSpPr>
-            <a:spLocks noGrp="1"/>
-          </p:cNvSpPr>
-          <p:nvPr>
-            <p:ph type="ctrTitle"/>
-          </p:nvPr>
-        </p:nvSpPr>
-        <p:spPr/>
-        <p:txBody>
-          <a:bodyPr>
-            <a:normAutofit/>
+      <p:pic>
+        <p:nvPicPr>
+          <p:cNvPr id="4" name="Picture 4" descr="6,771 Full Stack Developer Illustrations - Free in SVG, PNG ...">
+            <a:extLst>
+              <a:ext uri="{FF2B5EF4-FFF2-40B4-BE49-F238E27FC236}">
+                <a16:creationId xmlns:a16="http://schemas.microsoft.com/office/drawing/2014/main" id="{FD9A66CD-997F-82BF-D64D-9274F4BFA49B}"/>
+              </a:ext>
+            </a:extLst>
+          </p:cNvPr>
+          <p:cNvPicPr>
+            <a:picLocks noChangeAspect="1" noChangeArrowheads="1"/>
+          </p:cNvPicPr>
+          <p:nvPr/>
+        </p:nvPicPr>
+        <p:blipFill>
+          <a:blip r:embed="rId2">
+            <a:extLst>
+              <a:ext uri="{28A0092B-C50C-407E-A947-70E740481C1C}">
+                <a14:useLocalDpi xmlns:a14="http://schemas.microsoft.com/office/drawing/2010/main" val="0"/>
+              </a:ext>
+            </a:extLst>
+          </a:blip>
+          <a:srcRect/>
+          <a:stretch>
+            <a:fillRect/>
+          </a:stretch>
+        </p:blipFill>
+        <p:spPr bwMode="auto">
+          <a:xfrm>
+            <a:off x="2713703" y="2603241"/>
+            <a:ext cx="7531309" cy="5030352"/>
+          </a:xfrm>
+          <a:prstGeom prst="rect">
+            <a:avLst/>
+          </a:prstGeom>
+          <a:noFill/>
+          <a:extLst>
+            <a:ext uri="{909E8E84-426E-40DD-AFC4-6F175D3DCCD1}">
+              <a14:hiddenFill xmlns:a14="http://schemas.microsoft.com/office/drawing/2010/main">
+                <a:solidFill>
+                  <a:srgbClr val="FFFFFF"/>
+                </a:solidFill>
+              </a14:hiddenFill>
+            </a:ext>
+          </a:extLst>
+        </p:spPr>
+      </p:pic>
+      <p:sp>
+        <p:nvSpPr>
+          <p:cNvPr id="6" name="TextBox 5">
+            <a:extLst>
+              <a:ext uri="{FF2B5EF4-FFF2-40B4-BE49-F238E27FC236}">
+                <a16:creationId xmlns:a16="http://schemas.microsoft.com/office/drawing/2014/main" id="{A38BBD7B-B249-DED0-3B4B-0766C95B7223}"/>
+              </a:ext>
+            </a:extLst>
+          </p:cNvPr>
+          <p:cNvSpPr txBox="1"/>
+          <p:nvPr/>
+        </p:nvSpPr>
+        <p:spPr>
+          <a:xfrm>
+            <a:off x="3496648" y="599105"/>
+            <a:ext cx="6097554" cy="769441"/>
+          </a:xfrm>
+          <a:prstGeom prst="rect">
+            <a:avLst/>
+          </a:prstGeom>
+          <a:noFill/>
+        </p:spPr>
+        <p:txBody>
+          <a:bodyPr wrap="square">
+            <a:spAutoFit/>
           </a:bodyPr>
           <a:lstStyle/>
           <a:p>
             <a:r>
-              <a:rPr lang="en-US" dirty="0"/>
+              <a:rPr lang="en-US" sz="4400" b="1" dirty="0">
+                <a:solidFill>
+                  <a:srgbClr val="002060"/>
+                </a:solidFill>
+              </a:rPr>
               <a:t>MEAN Stack Conclusion</a:t>
             </a:r>
-            <a:endParaRPr lang="en-US" dirty="0"/>
-          </a:p>
-        </p:txBody>
-      </p:sp>
-      <p:sp>
-        <p:nvSpPr>
-          <p:cNvPr id="3" name="Subtitle 2"/>
-          <p:cNvSpPr>
-            <a:spLocks noGrp="1"/>
-          </p:cNvSpPr>
-          <p:nvPr>
-            <p:ph type="subTitle" idx="1"/>
-          </p:nvPr>
-        </p:nvSpPr>
-        <p:spPr/>
-        <p:txBody>
-          <a:bodyPr/>
-          <a:lstStyle/>
-          <a:p>
-            <a:r>
-              <a:rPr lang="en-US" dirty="0">
+            <a:endParaRPr lang="en-AE" sz="4400" b="1" dirty="0">
+              <a:solidFill>
+                <a:srgbClr val="002060"/>
+              </a:solidFill>
+            </a:endParaRPr>
+          </a:p>
+        </p:txBody>
+      </p:sp>
+      <p:sp>
+        <p:nvSpPr>
+          <p:cNvPr id="8" name="TextBox 7">
+            <a:extLst>
+              <a:ext uri="{FF2B5EF4-FFF2-40B4-BE49-F238E27FC236}">
+                <a16:creationId xmlns:a16="http://schemas.microsoft.com/office/drawing/2014/main" id="{6A1CF601-C66F-FE38-46BC-7734AAFBAE53}"/>
+              </a:ext>
+            </a:extLst>
+          </p:cNvPr>
+          <p:cNvSpPr txBox="1"/>
+          <p:nvPr/>
+        </p:nvSpPr>
+        <p:spPr>
+          <a:xfrm>
+            <a:off x="3571292" y="1368546"/>
+            <a:ext cx="6097554" cy="523220"/>
+          </a:xfrm>
+          <a:prstGeom prst="rect">
+            <a:avLst/>
+          </a:prstGeom>
+          <a:noFill/>
+        </p:spPr>
+        <p:txBody>
+          <a:bodyPr wrap="square">
+            <a:spAutoFit/>
+          </a:bodyPr>
+          <a:lstStyle/>
+          <a:p>
+            <a:r>
+              <a:rPr lang="en-US" sz="2800" b="1" dirty="0">
                 <a:sym typeface="+mn-ea"/>
               </a:rPr>
               <a:t>Ending the Start, Starting the Journey</a:t>
             </a:r>
-            <a:endParaRPr lang="en-US"/>
+            <a:endParaRPr lang="en-US" sz="2800" b="1" dirty="0"/>
           </a:p>
         </p:txBody>
       </p:sp>
     </p:spTree>
+    <p:extLst>
+      <p:ext uri="{BB962C8B-B14F-4D97-AF65-F5344CB8AC3E}">
+        <p14:creationId xmlns:p14="http://schemas.microsoft.com/office/powerpoint/2010/main" val="922979727"/>
+      </p:ext>
+    </p:extLst>
   </p:cSld>
   <p:clrMapOvr>
     <a:masterClrMapping/>
@@ -3005,7 +3056,14 @@
         <p:cNvGrpSpPr/>
         <p:nvPr/>
       </p:nvGrpSpPr>
-      <p:grpSpPr/>
+      <p:grpSpPr>
+        <a:xfrm>
+          <a:off x="0" y="0"/>
+          <a:ext cx="0" cy="0"/>
+          <a:chOff x="0" y="0"/>
+          <a:chExt cx="0" cy="0"/>
+        </a:xfrm>
+      </p:grpSpPr>
       <p:sp>
         <p:nvSpPr>
           <p:cNvPr id="2" name="Title 1"/>
@@ -3019,12 +3077,12 @@
         <p:spPr/>
         <p:txBody>
           <a:bodyPr/>
+          <a:lstStyle/>
           <a:p>
             <a:r>
               <a:rPr lang="en-US"/>
               <a:t>Then, what is the purpose of this workshop?</a:t>
             </a:r>
-            <a:endParaRPr lang="en-US"/>
           </a:p>
         </p:txBody>
       </p:sp>
@@ -3041,8 +3099,9 @@
         <p:spPr/>
         <p:txBody>
           <a:bodyPr>
-            <a:normAutofit fontScale="70000"/>
+            <a:normAutofit fontScale="70000" lnSpcReduction="10000"/>
           </a:bodyPr>
+          <a:lstStyle/>
           <a:p>
             <a:r>
               <a:rPr lang="en-US" b="1"/>
@@ -3052,7 +3111,6 @@
               <a:rPr lang="en-US"/>
               <a:t> Introduce participants to the basic concepts of the MEAN stack and Docker.</a:t>
             </a:r>
-            <a:endParaRPr lang="en-US"/>
           </a:p>
           <a:p>
             <a:r>
@@ -3063,7 +3121,6 @@
               <a:rPr lang="en-US"/>
               <a:t> Provide opportunities for hands-on exploration and experimentation.</a:t>
             </a:r>
-            <a:endParaRPr lang="en-US"/>
           </a:p>
           <a:p>
             <a:r>
@@ -3074,7 +3131,6 @@
               <a:rPr lang="en-US"/>
               <a:t> Gain familiarity with the components and interactions within the MEAN stack.</a:t>
             </a:r>
-            <a:endParaRPr lang="en-US"/>
           </a:p>
           <a:p>
             <a:r>
@@ -3085,7 +3141,6 @@
               <a:rPr lang="en-US"/>
               <a:t> Offer an overview of Docker and its role in modern web development.</a:t>
             </a:r>
-            <a:endParaRPr lang="en-US"/>
           </a:p>
           <a:p>
             <a:r>
@@ -3096,7 +3151,6 @@
               <a:rPr lang="en-US"/>
               <a:t> Focus on practical exercises to give participants a feel for working with MEAN and Docker.</a:t>
             </a:r>
-            <a:endParaRPr lang="en-US"/>
           </a:p>
           <a:p>
             <a:r>
@@ -3107,7 +3161,6 @@
               <a:rPr lang="en-US"/>
               <a:t> Clarify that the workshop is not designed for in-depth learning but rather for getting acquainted with the technologies.</a:t>
             </a:r>
-            <a:endParaRPr lang="en-US"/>
           </a:p>
           <a:p>
             <a:r>
@@ -3118,7 +3171,6 @@
               <a:rPr lang="en-US"/>
               <a:t> Lay the groundwork for participants to pursue further learning on their own after the workshop.</a:t>
             </a:r>
-            <a:endParaRPr lang="en-US"/>
           </a:p>
         </p:txBody>
       </p:sp>
@@ -3139,7 +3191,14 @@
         <p:cNvGrpSpPr/>
         <p:nvPr/>
       </p:nvGrpSpPr>
-      <p:grpSpPr/>
+      <p:grpSpPr>
+        <a:xfrm>
+          <a:off x="0" y="0"/>
+          <a:ext cx="0" cy="0"/>
+          <a:chOff x="0" y="0"/>
+          <a:chExt cx="0" cy="0"/>
+        </a:xfrm>
+      </p:grpSpPr>
       <p:sp>
         <p:nvSpPr>
           <p:cNvPr id="4" name="Title 3"/>
@@ -3153,12 +3212,12 @@
         <p:spPr/>
         <p:txBody>
           <a:bodyPr/>
+          <a:lstStyle/>
           <a:p>
             <a:r>
               <a:rPr lang="en-US"/>
               <a:t>Leveling Up in MEAN Stack</a:t>
             </a:r>
-            <a:endParaRPr lang="en-US"/>
           </a:p>
         </p:txBody>
       </p:sp>
@@ -3175,12 +3234,12 @@
         <p:spPr/>
         <p:txBody>
           <a:bodyPr/>
+          <a:lstStyle/>
           <a:p>
             <a:r>
               <a:rPr lang="en-US"/>
               <a:t>Advancing with Cloud Native Techniques</a:t>
             </a:r>
-            <a:endParaRPr lang="en-US"/>
           </a:p>
         </p:txBody>
       </p:sp>
@@ -3201,7 +3260,14 @@
         <p:cNvGrpSpPr/>
         <p:nvPr/>
       </p:nvGrpSpPr>
-      <p:grpSpPr/>
+      <p:grpSpPr>
+        <a:xfrm>
+          <a:off x="0" y="0"/>
+          <a:ext cx="0" cy="0"/>
+          <a:chOff x="0" y="0"/>
+          <a:chExt cx="0" cy="0"/>
+        </a:xfrm>
+      </p:grpSpPr>
       <p:sp>
         <p:nvSpPr>
           <p:cNvPr id="2" name="Title 1"/>
@@ -3215,12 +3281,12 @@
         <p:spPr/>
         <p:txBody>
           <a:bodyPr/>
+          <a:lstStyle/>
           <a:p>
             <a:r>
               <a:rPr lang="en-US"/>
               <a:t>Deployment of traditional MEAN Stack</a:t>
             </a:r>
-            <a:endParaRPr lang="en-US"/>
           </a:p>
         </p:txBody>
       </p:sp>
@@ -3237,26 +3303,24 @@
         <p:spPr/>
         <p:txBody>
           <a:bodyPr/>
+          <a:lstStyle/>
           <a:p>
             <a:r>
               <a:rPr lang="en-US"/>
               <a:t>Deployment: Typically deployed on physical servers, VMs, or traditional hosting</a:t>
             </a:r>
-            <a:endParaRPr lang="en-US"/>
           </a:p>
           <a:p>
             <a:r>
               <a:rPr lang="en-US"/>
               <a:t>Monolithic Architecture: All components tightly coupled into a single deployable unit</a:t>
             </a:r>
-            <a:endParaRPr lang="en-US"/>
           </a:p>
           <a:p>
             <a:r>
               <a:rPr lang="en-US"/>
               <a:t>Manual Scaling: Scaling and management done manually</a:t>
             </a:r>
-            <a:endParaRPr lang="en-US"/>
           </a:p>
         </p:txBody>
       </p:sp>
@@ -3277,7 +3341,14 @@
         <p:cNvGrpSpPr/>
         <p:nvPr/>
       </p:nvGrpSpPr>
-      <p:grpSpPr/>
+      <p:grpSpPr>
+        <a:xfrm>
+          <a:off x="0" y="0"/>
+          <a:ext cx="0" cy="0"/>
+          <a:chOff x="0" y="0"/>
+          <a:chExt cx="0" cy="0"/>
+        </a:xfrm>
+      </p:grpSpPr>
       <p:sp>
         <p:nvSpPr>
           <p:cNvPr id="2" name="Title 1"/>
@@ -3291,12 +3362,12 @@
         <p:spPr/>
         <p:txBody>
           <a:bodyPr/>
+          <a:lstStyle/>
           <a:p>
             <a:r>
               <a:rPr lang="en-US"/>
               <a:t>What is Cloud-Native?</a:t>
             </a:r>
-            <a:endParaRPr lang="en-US"/>
           </a:p>
         </p:txBody>
       </p:sp>
@@ -3315,12 +3386,12 @@
           <a:bodyPr>
             <a:normAutofit lnSpcReduction="10000"/>
           </a:bodyPr>
+          <a:lstStyle/>
           <a:p>
             <a:r>
               <a:rPr lang="en-US"/>
               <a:t>On-Premises:</a:t>
             </a:r>
-            <a:endParaRPr lang="en-US"/>
           </a:p>
           <a:p>
             <a:pPr lvl="1"/>
@@ -3328,7 +3399,6 @@
               <a:rPr lang="en-US"/>
               <a:t>Traditional computing model with infrastructure located within an organization's premises.</a:t>
             </a:r>
-            <a:endParaRPr lang="en-US"/>
           </a:p>
           <a:p>
             <a:pPr lvl="1"/>
@@ -3336,14 +3406,12 @@
               <a:rPr lang="en-US"/>
               <a:t>Requires full management of hardware, software, and networking internally.</a:t>
             </a:r>
-            <a:endParaRPr lang="en-US"/>
           </a:p>
           <a:p>
             <a:r>
               <a:rPr lang="en-US"/>
               <a:t>Cloud:</a:t>
             </a:r>
-            <a:endParaRPr lang="en-US"/>
           </a:p>
           <a:p>
             <a:pPr lvl="1"/>
@@ -3351,7 +3419,6 @@
               <a:rPr lang="en-US"/>
               <a:t>Network of remote servers accessed over the internet.</a:t>
             </a:r>
-            <a:endParaRPr lang="en-US"/>
           </a:p>
           <a:p>
             <a:pPr lvl="1"/>
@@ -3359,7 +3426,6 @@
               <a:rPr lang="en-US"/>
               <a:t>Offers scalability, flexibility, and cost-effectiveness.</a:t>
             </a:r>
-            <a:endParaRPr lang="en-US"/>
           </a:p>
           <a:p>
             <a:pPr lvl="0"/>
@@ -3367,7 +3433,6 @@
               <a:rPr lang="en-US"/>
               <a:t>Cloud Computing:</a:t>
             </a:r>
-            <a:endParaRPr lang="en-US"/>
           </a:p>
           <a:p>
             <a:pPr lvl="1"/>
@@ -3375,7 +3440,6 @@
               <a:rPr lang="en-US"/>
               <a:t>Delivery of computing services over the internet.</a:t>
             </a:r>
-            <a:endParaRPr lang="en-US"/>
           </a:p>
           <a:p>
             <a:pPr lvl="1"/>
@@ -3383,7 +3447,6 @@
               <a:rPr lang="en-US"/>
               <a:t>Includes servers, storage, databases, and more.</a:t>
             </a:r>
-            <a:endParaRPr lang="en-US"/>
           </a:p>
           <a:p>
             <a:pPr lvl="1"/>
@@ -3391,7 +3454,6 @@
               <a:rPr lang="en-US"/>
               <a:t>Enables faster innovation and economies of scale.</a:t>
             </a:r>
-            <a:endParaRPr lang="en-US"/>
           </a:p>
         </p:txBody>
       </p:sp>
@@ -3412,7 +3474,14 @@
         <p:cNvGrpSpPr/>
         <p:nvPr/>
       </p:nvGrpSpPr>
-      <p:grpSpPr/>
+      <p:grpSpPr>
+        <a:xfrm>
+          <a:off x="0" y="0"/>
+          <a:ext cx="0" cy="0"/>
+          <a:chOff x="0" y="0"/>
+          <a:chExt cx="0" cy="0"/>
+        </a:xfrm>
+      </p:grpSpPr>
       <p:sp>
         <p:nvSpPr>
           <p:cNvPr id="2" name="Title 1"/>
@@ -3426,6 +3495,7 @@
         <p:spPr/>
         <p:txBody>
           <a:bodyPr/>
+          <a:lstStyle/>
           <a:p>
             <a:r>
               <a:rPr lang="en-US">
@@ -3450,26 +3520,24 @@
         <p:spPr/>
         <p:txBody>
           <a:bodyPr/>
+          <a:lstStyle/>
           <a:p>
             <a:r>
               <a:rPr lang="en-US"/>
               <a:t>Applications designed for cloud environments.</a:t>
             </a:r>
-            <a:endParaRPr lang="en-US"/>
           </a:p>
           <a:p>
             <a:r>
               <a:rPr lang="en-US"/>
               <a:t>Utilize microservices, containers, and dynamic orchestration.</a:t>
             </a:r>
-            <a:endParaRPr lang="en-US"/>
           </a:p>
           <a:p>
             <a:r>
               <a:rPr lang="en-US"/>
               <a:t>Are highly scalable, resilient, and adaptable.</a:t>
             </a:r>
-            <a:endParaRPr lang="en-US"/>
           </a:p>
           <a:p>
             <a:r>
@@ -3542,7 +3610,14 @@
         <p:cNvGrpSpPr/>
         <p:nvPr/>
       </p:nvGrpSpPr>
-      <p:grpSpPr/>
+      <p:grpSpPr>
+        <a:xfrm>
+          <a:off x="0" y="0"/>
+          <a:ext cx="0" cy="0"/>
+          <a:chOff x="0" y="0"/>
+          <a:chExt cx="0" cy="0"/>
+        </a:xfrm>
+      </p:grpSpPr>
       <p:sp>
         <p:nvSpPr>
           <p:cNvPr id="2" name="Title 1"/>
@@ -3556,14 +3631,14 @@
         <p:spPr/>
         <p:txBody>
           <a:bodyPr>
-            <a:normAutofit fontScale="90000"/>
+            <a:normAutofit/>
           </a:bodyPr>
+          <a:lstStyle/>
           <a:p>
             <a:r>
               <a:rPr lang="en-US"/>
               <a:t>The Significance of Cloud-Native Development</a:t>
             </a:r>
-            <a:endParaRPr lang="en-US"/>
           </a:p>
         </p:txBody>
       </p:sp>
@@ -3582,12 +3657,12 @@
           <a:bodyPr>
             <a:noAutofit/>
           </a:bodyPr>
+          <a:lstStyle/>
           <a:p>
             <a:r>
               <a:rPr lang="en-US" sz="2400"/>
               <a:t>Cloud-Native Development:</a:t>
             </a:r>
-            <a:endParaRPr lang="en-US" sz="2400"/>
           </a:p>
           <a:p>
             <a:pPr lvl="1"/>
@@ -3599,7 +3674,6 @@
               <a:rPr lang="en-US" sz="2400"/>
               <a:t>Enables effortless scaling based on demand.</a:t>
             </a:r>
-            <a:endParaRPr lang="en-US" sz="2400"/>
           </a:p>
           <a:p>
             <a:pPr lvl="1"/>
@@ -3611,7 +3685,6 @@
               <a:rPr lang="en-US" sz="2400"/>
               <a:t> Incorporates built-in fault tolerance for reliability.</a:t>
             </a:r>
-            <a:endParaRPr lang="en-US" sz="2400"/>
           </a:p>
           <a:p>
             <a:pPr lvl="1"/>
@@ -3623,7 +3696,6 @@
               <a:rPr lang="en-US" sz="2400"/>
               <a:t> Supports rapid iteration and continuous delivery.</a:t>
             </a:r>
-            <a:endParaRPr lang="en-US" sz="2400"/>
           </a:p>
           <a:p>
             <a:pPr lvl="1"/>
@@ -3635,7 +3707,6 @@
               <a:rPr lang="en-US" sz="2400"/>
               <a:t>Optimizes resource utilisation, leading to savings.</a:t>
             </a:r>
-            <a:endParaRPr lang="en-US" sz="2400"/>
           </a:p>
           <a:p>
             <a:pPr lvl="1"/>
@@ -3647,7 +3718,6 @@
               <a:rPr lang="en-US" sz="2400"/>
               <a:t> Embraces a modular architecture for flexibility.</a:t>
             </a:r>
-            <a:endParaRPr lang="en-US" sz="2400"/>
           </a:p>
           <a:p>
             <a:pPr lvl="1"/>
@@ -3659,7 +3729,6 @@
               <a:rPr lang="en-US" sz="2400"/>
               <a:t> Promotes the integration of development and operations.</a:t>
             </a:r>
-            <a:endParaRPr lang="en-US" sz="2400"/>
           </a:p>
           <a:p>
             <a:pPr lvl="1"/>
@@ -3671,14 +3740,12 @@
               <a:rPr lang="en-US" sz="2400"/>
               <a:t> Facilitates platform-agnostic deployment.</a:t>
             </a:r>
-            <a:endParaRPr lang="en-US" sz="2400"/>
           </a:p>
           <a:p>
             <a:r>
               <a:rPr lang="en-US" sz="2400"/>
               <a:t>Containerization and Cloud Services:</a:t>
             </a:r>
-            <a:endParaRPr lang="en-US" sz="2400"/>
           </a:p>
           <a:p>
             <a:pPr lvl="1"/>
@@ -3686,7 +3753,6 @@
               <a:rPr lang="en-US" sz="2400"/>
               <a:t>Docker for containerization</a:t>
             </a:r>
-            <a:endParaRPr lang="en-US" sz="2400"/>
           </a:p>
           <a:p>
             <a:pPr lvl="1"/>
@@ -3694,7 +3760,6 @@
               <a:rPr lang="en-US" sz="2400"/>
               <a:t>Cloud platforms like AWS, Azure, and GCP</a:t>
             </a:r>
-            <a:endParaRPr lang="en-US" sz="2400"/>
           </a:p>
         </p:txBody>
       </p:sp>
@@ -3715,7 +3780,14 @@
         <p:cNvGrpSpPr/>
         <p:nvPr/>
       </p:nvGrpSpPr>
-      <p:grpSpPr/>
+      <p:grpSpPr>
+        <a:xfrm>
+          <a:off x="0" y="0"/>
+          <a:ext cx="0" cy="0"/>
+          <a:chOff x="0" y="0"/>
+          <a:chExt cx="0" cy="0"/>
+        </a:xfrm>
+      </p:grpSpPr>
       <p:sp>
         <p:nvSpPr>
           <p:cNvPr id="2" name="Title 1"/>
@@ -3729,12 +3801,12 @@
         <p:spPr/>
         <p:txBody>
           <a:bodyPr/>
+          <a:lstStyle/>
           <a:p>
             <a:r>
               <a:rPr lang="en-US"/>
               <a:t> Tier 1 software engineering bootcamp</a:t>
             </a:r>
-            <a:endParaRPr lang="en-US"/>
           </a:p>
         </p:txBody>
       </p:sp>
@@ -3751,6 +3823,7 @@
         <p:spPr/>
         <p:txBody>
           <a:bodyPr/>
+          <a:lstStyle/>
           <a:p>
             <a:r>
               <a:rPr lang="en-US">
@@ -3765,28 +3838,24 @@
               <a:rPr lang="en-US"/>
               <a:t>Advanced MEAN stack development with a focus on cloud-native principles</a:t>
             </a:r>
-            <a:endParaRPr lang="en-US"/>
           </a:p>
           <a:p>
             <a:r>
               <a:rPr lang="en-US"/>
               <a:t>Equip participants with the skills to build and deploy scalable MEAN stack applications in cloud environments</a:t>
             </a:r>
-            <a:endParaRPr lang="en-US"/>
           </a:p>
           <a:p>
             <a:r>
               <a:rPr lang="en-US"/>
               <a:t>Learn the skills as and when needed for the product development</a:t>
             </a:r>
-            <a:endParaRPr lang="en-US"/>
           </a:p>
           <a:p>
             <a:r>
               <a:rPr lang="en-US"/>
               <a:t>Learning ends when the product is successfully delivered</a:t>
             </a:r>
-            <a:endParaRPr lang="en-US"/>
           </a:p>
           <a:p>
             <a:endParaRPr lang="en-US"/>
@@ -3810,7 +3879,14 @@
         <p:cNvGrpSpPr/>
         <p:nvPr/>
       </p:nvGrpSpPr>
-      <p:grpSpPr/>
+      <p:grpSpPr>
+        <a:xfrm>
+          <a:off x="0" y="0"/>
+          <a:ext cx="0" cy="0"/>
+          <a:chOff x="0" y="0"/>
+          <a:chExt cx="0" cy="0"/>
+        </a:xfrm>
+      </p:grpSpPr>
       <p:sp>
         <p:nvSpPr>
           <p:cNvPr id="2" name="Title 1"/>
@@ -3824,14 +3900,14 @@
         <p:spPr/>
         <p:txBody>
           <a:bodyPr>
-            <a:normAutofit fontScale="90000"/>
+            <a:normAutofit/>
           </a:bodyPr>
+          <a:lstStyle/>
           <a:p>
             <a:r>
               <a:rPr lang="en-US"/>
               <a:t>Benefits of tier 1 software engineering bootcamp</a:t>
             </a:r>
-            <a:endParaRPr lang="en-US"/>
           </a:p>
         </p:txBody>
       </p:sp>
@@ -3848,35 +3924,32 @@
         <p:spPr/>
         <p:txBody>
           <a:bodyPr>
-            <a:normAutofit fontScale="90000" lnSpcReduction="20000"/>
+            <a:normAutofit fontScale="90000" lnSpcReduction="10000"/>
           </a:bodyPr>
+          <a:lstStyle/>
           <a:p>
             <a:r>
               <a:rPr lang="en-US"/>
               <a:t>Batch of Students are converted into software team</a:t>
             </a:r>
-            <a:endParaRPr lang="en-US"/>
           </a:p>
           <a:p>
             <a:r>
               <a:rPr lang="en-US"/>
               <a:t>Build a real world software product – end-to-end</a:t>
             </a:r>
-            <a:endParaRPr lang="en-US"/>
           </a:p>
           <a:p>
             <a:r>
               <a:rPr lang="en-US"/>
               <a:t>Conceptualize, plan, analyze, design, develop, deploy into cloud</a:t>
             </a:r>
-            <a:endParaRPr lang="en-US"/>
           </a:p>
           <a:p>
             <a:r>
               <a:rPr lang="en-US"/>
               <a:t>Self-organized agile team wearing multiple hats in rotation</a:t>
             </a:r>
-            <a:endParaRPr lang="en-US"/>
           </a:p>
           <a:p>
             <a:pPr lvl="1"/>
@@ -3884,7 +3957,6 @@
               <a:rPr lang="en-US"/>
               <a:t>Tech Lead, Developer</a:t>
             </a:r>
-            <a:endParaRPr lang="en-US"/>
           </a:p>
           <a:p>
             <a:pPr lvl="1"/>
@@ -3892,7 +3964,6 @@
               <a:rPr lang="en-US"/>
               <a:t>Business Analyst, UI/UX Designer</a:t>
             </a:r>
-            <a:endParaRPr lang="en-US"/>
           </a:p>
           <a:p>
             <a:pPr lvl="1"/>
@@ -3900,7 +3971,6 @@
               <a:rPr lang="en-US"/>
               <a:t>Project Manager, System Architect</a:t>
             </a:r>
-            <a:endParaRPr lang="en-US"/>
           </a:p>
           <a:p>
             <a:pPr lvl="1"/>
@@ -3908,28 +3978,24 @@
               <a:rPr lang="en-US"/>
               <a:t>Product Owner, Scrum Master</a:t>
             </a:r>
-            <a:endParaRPr lang="en-US"/>
           </a:p>
           <a:p>
             <a:r>
               <a:rPr lang="en-US"/>
               <a:t>Led &amp; mentored by a group of expert software professionals</a:t>
             </a:r>
-            <a:endParaRPr lang="en-US"/>
           </a:p>
           <a:p>
             <a:r>
               <a:rPr lang="en-US"/>
               <a:t>Rinse, Repeat &amp; Re-inforce (Practice multiple times)– till they become experts</a:t>
             </a:r>
-            <a:endParaRPr lang="en-US"/>
           </a:p>
           <a:p>
             <a:r>
               <a:rPr lang="en-US"/>
               <a:t>Transforms each member into expert SDEs</a:t>
             </a:r>
-            <a:endParaRPr lang="en-US"/>
           </a:p>
         </p:txBody>
       </p:sp>
@@ -3950,7 +4016,14 @@
         <p:cNvGrpSpPr/>
         <p:nvPr/>
       </p:nvGrpSpPr>
-      <p:grpSpPr/>
+      <p:grpSpPr>
+        <a:xfrm>
+          <a:off x="0" y="0"/>
+          <a:ext cx="0" cy="0"/>
+          <a:chOff x="0" y="0"/>
+          <a:chExt cx="0" cy="0"/>
+        </a:xfrm>
+      </p:grpSpPr>
       <p:sp>
         <p:nvSpPr>
           <p:cNvPr id="4" name="Title 3"/>
@@ -3964,12 +4037,12 @@
         <p:spPr/>
         <p:txBody>
           <a:bodyPr/>
+          <a:lstStyle/>
           <a:p>
             <a:r>
               <a:rPr lang="en-US"/>
               <a:t>Thanks</a:t>
             </a:r>
-            <a:endParaRPr lang="en-US"/>
           </a:p>
         </p:txBody>
       </p:sp>
@@ -3995,7 +4068,14 @@
         <p:cNvGrpSpPr/>
         <p:nvPr/>
       </p:nvGrpSpPr>
-      <p:grpSpPr/>
+      <p:grpSpPr>
+        <a:xfrm>
+          <a:off x="0" y="0"/>
+          <a:ext cx="0" cy="0"/>
+          <a:chOff x="0" y="0"/>
+          <a:chExt cx="0" cy="0"/>
+        </a:xfrm>
+      </p:grpSpPr>
       <p:sp>
         <p:nvSpPr>
           <p:cNvPr id="4" name="Title 3"/>
@@ -4009,12 +4089,12 @@
         <p:spPr/>
         <p:txBody>
           <a:bodyPr/>
+          <a:lstStyle/>
           <a:p>
             <a:r>
               <a:rPr lang="en-US"/>
               <a:t>What did you learn during the workshop?</a:t>
             </a:r>
-            <a:endParaRPr lang="en-US"/>
           </a:p>
         </p:txBody>
       </p:sp>
@@ -4035,7 +4115,14 @@
         <p:cNvGrpSpPr/>
         <p:nvPr/>
       </p:nvGrpSpPr>
-      <p:grpSpPr/>
+      <p:grpSpPr>
+        <a:xfrm>
+          <a:off x="0" y="0"/>
+          <a:ext cx="0" cy="0"/>
+          <a:chOff x="0" y="0"/>
+          <a:chExt cx="0" cy="0"/>
+        </a:xfrm>
+      </p:grpSpPr>
       <p:sp>
         <p:nvSpPr>
           <p:cNvPr id="2" name="Title 1"/>
@@ -4049,12 +4136,12 @@
         <p:spPr/>
         <p:txBody>
           <a:bodyPr/>
+          <a:lstStyle/>
           <a:p>
             <a:r>
               <a:rPr lang="en-US"/>
               <a:t>Workshop Recap</a:t>
             </a:r>
-            <a:endParaRPr lang="en-US"/>
           </a:p>
         </p:txBody>
       </p:sp>
@@ -4071,14 +4158,14 @@
         <p:spPr/>
         <p:txBody>
           <a:bodyPr>
-            <a:normAutofit fontScale="80000"/>
+            <a:normAutofit fontScale="87500" lnSpcReduction="10000"/>
           </a:bodyPr>
+          <a:lstStyle/>
           <a:p>
             <a:r>
               <a:rPr lang="en-US"/>
               <a:t>Familiarised MEAN stack (MongoDB, Express.js, Angular, Node.js)</a:t>
             </a:r>
-            <a:endParaRPr lang="en-US"/>
           </a:p>
           <a:p>
             <a:pPr lvl="1"/>
@@ -4086,7 +4173,6 @@
               <a:rPr lang="en-US"/>
               <a:t>HTML</a:t>
             </a:r>
-            <a:endParaRPr lang="en-US"/>
           </a:p>
           <a:p>
             <a:pPr lvl="1"/>
@@ -4094,7 +4180,6 @@
               <a:rPr lang="en-US"/>
               <a:t>CSS</a:t>
             </a:r>
-            <a:endParaRPr lang="en-US"/>
           </a:p>
           <a:p>
             <a:pPr lvl="1"/>
@@ -4102,7 +4187,6 @@
               <a:rPr lang="en-US"/>
               <a:t>Bootstrap</a:t>
             </a:r>
-            <a:endParaRPr lang="en-US"/>
           </a:p>
           <a:p>
             <a:pPr lvl="1"/>
@@ -4110,7 +4194,6 @@
               <a:rPr lang="en-US"/>
               <a:t>JavaScript</a:t>
             </a:r>
-            <a:endParaRPr lang="en-US"/>
           </a:p>
           <a:p>
             <a:pPr lvl="1"/>
@@ -4118,7 +4201,6 @@
               <a:rPr lang="en-US"/>
               <a:t>Angular</a:t>
             </a:r>
-            <a:endParaRPr lang="en-US"/>
           </a:p>
           <a:p>
             <a:pPr lvl="1"/>
@@ -4126,7 +4208,6 @@
               <a:rPr lang="en-US"/>
               <a:t>Typescript</a:t>
             </a:r>
-            <a:endParaRPr lang="en-US"/>
           </a:p>
           <a:p>
             <a:pPr lvl="1"/>
@@ -4134,7 +4215,6 @@
               <a:rPr lang="en-US"/>
               <a:t>Node</a:t>
             </a:r>
-            <a:endParaRPr lang="en-US"/>
           </a:p>
           <a:p>
             <a:pPr lvl="1"/>
@@ -4142,7 +4222,6 @@
               <a:rPr lang="en-US"/>
               <a:t>Express</a:t>
             </a:r>
-            <a:endParaRPr lang="en-US"/>
           </a:p>
           <a:p>
             <a:pPr lvl="1"/>
@@ -4150,21 +4229,18 @@
               <a:rPr lang="en-US"/>
               <a:t>MongoDB</a:t>
             </a:r>
-            <a:endParaRPr lang="en-US"/>
           </a:p>
           <a:p>
             <a:r>
               <a:rPr lang="en-US"/>
               <a:t>Familiarised basics of containerization with Docker</a:t>
             </a:r>
-            <a:endParaRPr lang="en-US"/>
           </a:p>
           <a:p>
             <a:r>
               <a:rPr lang="en-US"/>
               <a:t>Hands-on experience on a project</a:t>
             </a:r>
-            <a:endParaRPr lang="en-US"/>
           </a:p>
         </p:txBody>
       </p:sp>
@@ -4185,7 +4261,14 @@
         <p:cNvGrpSpPr/>
         <p:nvPr/>
       </p:nvGrpSpPr>
-      <p:grpSpPr/>
+      <p:grpSpPr>
+        <a:xfrm>
+          <a:off x="0" y="0"/>
+          <a:ext cx="0" cy="0"/>
+          <a:chOff x="0" y="0"/>
+          <a:chExt cx="0" cy="0"/>
+        </a:xfrm>
+      </p:grpSpPr>
       <p:sp>
         <p:nvSpPr>
           <p:cNvPr id="4" name="Title 3"/>
@@ -4199,12 +4282,12 @@
         <p:spPr/>
         <p:txBody>
           <a:bodyPr/>
+          <a:lstStyle/>
           <a:p>
             <a:r>
               <a:rPr lang="en-US"/>
               <a:t>Unaddressed Topics</a:t>
             </a:r>
-            <a:endParaRPr lang="en-US"/>
           </a:p>
         </p:txBody>
       </p:sp>
@@ -4221,14 +4304,14 @@
         <p:spPr/>
         <p:txBody>
           <a:bodyPr>
-            <a:normAutofit fontScale="85000"/>
+            <a:normAutofit fontScale="92500" lnSpcReduction="10000"/>
           </a:bodyPr>
+          <a:lstStyle/>
           <a:p>
             <a:r>
               <a:rPr lang="en-US"/>
               <a:t>HTML:</a:t>
             </a:r>
-            <a:endParaRPr lang="en-US"/>
           </a:p>
           <a:p>
             <a:pPr lvl="1"/>
@@ -4236,7 +4319,6 @@
               <a:rPr lang="en-US"/>
               <a:t>Semantic Markup: Utilising semantic HTML elements for better accessibility and SEO.</a:t>
             </a:r>
-            <a:endParaRPr lang="en-US"/>
           </a:p>
           <a:p>
             <a:pPr lvl="1"/>
@@ -4244,7 +4326,6 @@
               <a:rPr lang="en-US"/>
               <a:t>Forms: Creating interactive forms with validation and input handling.</a:t>
             </a:r>
-            <a:endParaRPr lang="en-US"/>
           </a:p>
           <a:p>
             <a:pPr lvl="1"/>
@@ -4252,7 +4333,6 @@
               <a:rPr lang="en-US"/>
               <a:t>Media: Embedding multimedia content like images, videos, and audio.</a:t>
             </a:r>
-            <a:endParaRPr lang="en-US"/>
           </a:p>
           <a:p>
             <a:pPr lvl="1"/>
@@ -4260,14 +4340,12 @@
               <a:rPr lang="en-US"/>
               <a:t>Accessibility: Ensuring accessibility features for users with disabilities.</a:t>
             </a:r>
-            <a:endParaRPr lang="en-US"/>
           </a:p>
           <a:p>
             <a:r>
               <a:rPr lang="en-US"/>
               <a:t>CSS:</a:t>
             </a:r>
-            <a:endParaRPr lang="en-US"/>
           </a:p>
           <a:p>
             <a:pPr lvl="1"/>
@@ -4275,7 +4353,6 @@
               <a:rPr lang="en-US"/>
               <a:t>Selectors: Understanding CSS selectors for targeting specific elements.</a:t>
             </a:r>
-            <a:endParaRPr lang="en-US"/>
           </a:p>
           <a:p>
             <a:pPr lvl="1"/>
@@ -4283,7 +4360,6 @@
               <a:rPr lang="en-US"/>
               <a:t>Layouts: Implementing responsive layouts using Flexbox or CSS Grid.</a:t>
             </a:r>
-            <a:endParaRPr lang="en-US"/>
           </a:p>
           <a:p>
             <a:pPr lvl="1"/>
@@ -4291,7 +4367,6 @@
               <a:rPr lang="en-US"/>
               <a:t>Transitions and Animations: Adding visual effects with CSS transitions and animations.</a:t>
             </a:r>
-            <a:endParaRPr lang="en-US"/>
           </a:p>
           <a:p>
             <a:pPr lvl="1"/>
@@ -4299,7 +4374,6 @@
               <a:rPr lang="en-US"/>
               <a:t>Preprocessors: Utilising CSS preprocessors like Sass or Less for enhanced styling capabilities.</a:t>
             </a:r>
-            <a:endParaRPr lang="en-US"/>
           </a:p>
         </p:txBody>
       </p:sp>
@@ -4320,7 +4394,14 @@
         <p:cNvGrpSpPr/>
         <p:nvPr/>
       </p:nvGrpSpPr>
-      <p:grpSpPr/>
+      <p:grpSpPr>
+        <a:xfrm>
+          <a:off x="0" y="0"/>
+          <a:ext cx="0" cy="0"/>
+          <a:chOff x="0" y="0"/>
+          <a:chExt cx="0" cy="0"/>
+        </a:xfrm>
+      </p:grpSpPr>
       <p:sp>
         <p:nvSpPr>
           <p:cNvPr id="4" name="Title 3"/>
@@ -4334,12 +4415,12 @@
         <p:spPr/>
         <p:txBody>
           <a:bodyPr/>
+          <a:lstStyle/>
           <a:p>
             <a:r>
               <a:rPr lang="en-US"/>
               <a:t>Unaddressed Topics</a:t>
             </a:r>
-            <a:endParaRPr lang="en-US"/>
           </a:p>
         </p:txBody>
       </p:sp>
@@ -4361,14 +4442,14 @@
         </p:spPr>
         <p:txBody>
           <a:bodyPr>
-            <a:normAutofit fontScale="80000"/>
+            <a:normAutofit fontScale="87500" lnSpcReduction="20000"/>
           </a:bodyPr>
+          <a:lstStyle/>
           <a:p>
             <a:r>
               <a:rPr lang="en-US"/>
               <a:t>Bootstrap:</a:t>
             </a:r>
-            <a:endParaRPr lang="en-US"/>
           </a:p>
           <a:p>
             <a:pPr lvl="1"/>
@@ -4376,7 +4457,6 @@
               <a:rPr lang="en-US"/>
               <a:t>Grid System: Utilising Bootstrap's grid system for creating responsive layouts.</a:t>
             </a:r>
-            <a:endParaRPr lang="en-US"/>
           </a:p>
           <a:p>
             <a:pPr lvl="1"/>
@@ -4384,7 +4464,6 @@
               <a:rPr lang="en-US"/>
               <a:t>Components: Leveraging Bootstrap components like navbars, modals, and carousels.</a:t>
             </a:r>
-            <a:endParaRPr lang="en-US"/>
           </a:p>
           <a:p>
             <a:pPr lvl="1"/>
@@ -4392,7 +4471,6 @@
               <a:rPr lang="en-US"/>
               <a:t>Utilities: Applying Bootstrap utility classes for quick styling adjustments.</a:t>
             </a:r>
-            <a:endParaRPr lang="en-US"/>
           </a:p>
           <a:p>
             <a:pPr lvl="1"/>
@@ -4400,14 +4478,12 @@
               <a:rPr lang="en-US"/>
               <a:t>Customization: Customizing Bootstrap themes and styles to match project requirements.</a:t>
             </a:r>
-            <a:endParaRPr lang="en-US"/>
           </a:p>
           <a:p>
             <a:r>
               <a:rPr lang="en-US"/>
               <a:t>JavaScript:</a:t>
             </a:r>
-            <a:endParaRPr lang="en-US"/>
           </a:p>
           <a:p>
             <a:pPr lvl="1"/>
@@ -4415,7 +4491,6 @@
               <a:rPr lang="en-US"/>
               <a:t>DOM Manipulation: Interacting with the Document Object Model (DOM) to dynamically update web pages.</a:t>
             </a:r>
-            <a:endParaRPr lang="en-US"/>
           </a:p>
           <a:p>
             <a:pPr lvl="1"/>
@@ -4423,7 +4498,6 @@
               <a:rPr lang="en-US"/>
               <a:t>Event Handling: Managing user interactions and handling events like clicks, mouse movements, and keyboard inputs.</a:t>
             </a:r>
-            <a:endParaRPr lang="en-US"/>
           </a:p>
           <a:p>
             <a:pPr lvl="1"/>
@@ -4431,7 +4505,6 @@
               <a:rPr lang="en-US"/>
               <a:t>Asynchronous Programming: Understanding asynchronous JavaScript with promises, async/await, and callbacks.</a:t>
             </a:r>
-            <a:endParaRPr lang="en-US"/>
           </a:p>
           <a:p>
             <a:pPr lvl="1"/>
@@ -4439,7 +4512,6 @@
               <a:rPr lang="en-US"/>
               <a:t>Error Handling: Implementing error handling strategies to gracefully handle runtime errors.</a:t>
             </a:r>
-            <a:endParaRPr lang="en-US"/>
           </a:p>
         </p:txBody>
       </p:sp>
@@ -4460,7 +4532,14 @@
         <p:cNvGrpSpPr/>
         <p:nvPr/>
       </p:nvGrpSpPr>
-      <p:grpSpPr/>
+      <p:grpSpPr>
+        <a:xfrm>
+          <a:off x="0" y="0"/>
+          <a:ext cx="0" cy="0"/>
+          <a:chOff x="0" y="0"/>
+          <a:chExt cx="0" cy="0"/>
+        </a:xfrm>
+      </p:grpSpPr>
       <p:sp>
         <p:nvSpPr>
           <p:cNvPr id="4" name="Title 3"/>
@@ -4474,12 +4553,12 @@
         <p:spPr/>
         <p:txBody>
           <a:bodyPr/>
+          <a:lstStyle/>
           <a:p>
             <a:r>
               <a:rPr lang="en-US"/>
               <a:t>Unaddressed Topics</a:t>
             </a:r>
-            <a:endParaRPr lang="en-US"/>
           </a:p>
         </p:txBody>
       </p:sp>
@@ -4501,14 +4580,14 @@
         </p:spPr>
         <p:txBody>
           <a:bodyPr>
-            <a:normAutofit fontScale="70000"/>
+            <a:normAutofit fontScale="77500" lnSpcReduction="10000"/>
           </a:bodyPr>
+          <a:lstStyle/>
           <a:p>
             <a:r>
               <a:rPr lang="en-US"/>
               <a:t>TypeScript:</a:t>
             </a:r>
-            <a:endParaRPr lang="en-US"/>
           </a:p>
           <a:p>
             <a:pPr lvl="1"/>
@@ -4516,7 +4595,6 @@
               <a:rPr lang="en-US"/>
               <a:t>Static Typing: Utilising TypeScript's static typing for improved code maintainability and bug detection.</a:t>
             </a:r>
-            <a:endParaRPr lang="en-US"/>
           </a:p>
           <a:p>
             <a:pPr lvl="1"/>
@@ -4524,7 +4602,6 @@
               <a:rPr lang="en-US"/>
               <a:t>Interfaces and Types: Defining interfaces and custom types for better code organisation and documentation.</a:t>
             </a:r>
-            <a:endParaRPr lang="en-US"/>
           </a:p>
           <a:p>
             <a:pPr lvl="1"/>
@@ -4532,7 +4609,6 @@
               <a:rPr lang="en-US"/>
               <a:t>Tooling: Integrating TypeScript with build tools like webpack or parcel for transpilation and bundling.</a:t>
             </a:r>
-            <a:endParaRPr lang="en-US"/>
           </a:p>
           <a:p>
             <a:pPr lvl="1"/>
@@ -4540,7 +4616,6 @@
               <a:rPr lang="en-US"/>
               <a:t>Compatibility: Ensuring compatibility with existing JavaScript libraries and frameworks when using TypeScript.</a:t>
             </a:r>
-            <a:endParaRPr lang="en-US"/>
           </a:p>
           <a:p>
             <a:pPr lvl="1"/>
@@ -4548,14 +4623,12 @@
               <a:rPr lang="en-US"/>
               <a:t>OOP Concept</a:t>
             </a:r>
-            <a:endParaRPr lang="en-US"/>
           </a:p>
           <a:p>
             <a:r>
               <a:rPr lang="en-US"/>
               <a:t>MongoDB:</a:t>
             </a:r>
-            <a:endParaRPr lang="en-US"/>
           </a:p>
           <a:p>
             <a:pPr lvl="1"/>
@@ -4563,7 +4636,6 @@
               <a:rPr lang="en-US"/>
               <a:t>Document-oriented storage</a:t>
             </a:r>
-            <a:endParaRPr lang="en-US"/>
           </a:p>
           <a:p>
             <a:pPr lvl="1"/>
@@ -4571,7 +4643,6 @@
               <a:rPr lang="en-US"/>
               <a:t>High scalability</a:t>
             </a:r>
-            <a:endParaRPr lang="en-US"/>
           </a:p>
           <a:p>
             <a:pPr lvl="1"/>
@@ -4579,7 +4650,6 @@
               <a:rPr lang="en-US"/>
               <a:t>Querying capabilities</a:t>
             </a:r>
-            <a:endParaRPr lang="en-US"/>
           </a:p>
           <a:p>
             <a:pPr lvl="1"/>
@@ -4587,7 +4657,6 @@
               <a:rPr lang="en-US"/>
               <a:t>Replication and sharding for horizontal scaling</a:t>
             </a:r>
-            <a:endParaRPr lang="en-US"/>
           </a:p>
         </p:txBody>
       </p:sp>
@@ -4608,7 +4677,14 @@
         <p:cNvGrpSpPr/>
         <p:nvPr/>
       </p:nvGrpSpPr>
-      <p:grpSpPr/>
+      <p:grpSpPr>
+        <a:xfrm>
+          <a:off x="0" y="0"/>
+          <a:ext cx="0" cy="0"/>
+          <a:chOff x="0" y="0"/>
+          <a:chExt cx="0" cy="0"/>
+        </a:xfrm>
+      </p:grpSpPr>
       <p:sp>
         <p:nvSpPr>
           <p:cNvPr id="4" name="Title 3"/>
@@ -4622,12 +4698,12 @@
         <p:spPr/>
         <p:txBody>
           <a:bodyPr/>
+          <a:lstStyle/>
           <a:p>
             <a:r>
               <a:rPr lang="en-US"/>
               <a:t>Unaddressed Topics</a:t>
             </a:r>
-            <a:endParaRPr lang="en-US"/>
           </a:p>
         </p:txBody>
       </p:sp>
@@ -4649,14 +4725,14 @@
         </p:spPr>
         <p:txBody>
           <a:bodyPr>
-            <a:normAutofit fontScale="80000"/>
+            <a:normAutofit fontScale="87500" lnSpcReduction="10000"/>
           </a:bodyPr>
+          <a:lstStyle/>
           <a:p>
             <a:r>
               <a:rPr lang="en-US"/>
               <a:t>Express.js:</a:t>
             </a:r>
-            <a:endParaRPr lang="en-US"/>
           </a:p>
           <a:p>
             <a:pPr lvl="1"/>
@@ -4664,7 +4740,6 @@
               <a:rPr lang="en-US"/>
               <a:t>Middleware support for request handling</a:t>
             </a:r>
-            <a:endParaRPr lang="en-US"/>
           </a:p>
           <a:p>
             <a:pPr lvl="1"/>
@@ -4672,7 +4747,6 @@
               <a:rPr lang="en-US"/>
               <a:t>Flexible routing mechanism</a:t>
             </a:r>
-            <a:endParaRPr lang="en-US"/>
           </a:p>
           <a:p>
             <a:pPr lvl="1"/>
@@ -4680,7 +4754,6 @@
               <a:rPr lang="en-US"/>
               <a:t>Support for various template engines</a:t>
             </a:r>
-            <a:endParaRPr lang="en-US"/>
           </a:p>
           <a:p>
             <a:pPr lvl="1"/>
@@ -4688,14 +4761,12 @@
               <a:rPr lang="en-US"/>
               <a:t>Built-in error handling middleware</a:t>
             </a:r>
-            <a:endParaRPr lang="en-US"/>
           </a:p>
           <a:p>
             <a:r>
               <a:rPr lang="en-US"/>
               <a:t>Angular:</a:t>
             </a:r>
-            <a:endParaRPr lang="en-US"/>
           </a:p>
           <a:p>
             <a:pPr lvl="1"/>
@@ -4703,7 +4774,6 @@
               <a:rPr lang="en-US"/>
               <a:t>Two-way data binding for interactive UIs</a:t>
             </a:r>
-            <a:endParaRPr lang="en-US"/>
           </a:p>
           <a:p>
             <a:pPr lvl="1"/>
@@ -4711,7 +4781,6 @@
               <a:rPr lang="en-US"/>
               <a:t>Dependency injection for modular and testable code</a:t>
             </a:r>
-            <a:endParaRPr lang="en-US"/>
           </a:p>
           <a:p>
             <a:pPr lvl="1"/>
@@ -4719,7 +4788,6 @@
               <a:rPr lang="en-US"/>
               <a:t>Directives for reusable components</a:t>
             </a:r>
-            <a:endParaRPr lang="en-US"/>
           </a:p>
           <a:p>
             <a:pPr lvl="1"/>
@@ -4727,7 +4795,6 @@
               <a:rPr lang="en-US"/>
               <a:t>Services for shared functionality</a:t>
             </a:r>
-            <a:endParaRPr lang="en-US"/>
           </a:p>
           <a:p>
             <a:pPr lvl="1"/>
@@ -4735,7 +4802,6 @@
               <a:rPr lang="en-US"/>
               <a:t>Styling: Integration with CSS, Bootstrap for responsive designs.</a:t>
             </a:r>
-            <a:endParaRPr lang="en-US"/>
           </a:p>
           <a:p>
             <a:pPr lvl="1"/>
@@ -4743,7 +4809,6 @@
               <a:rPr lang="en-US"/>
               <a:t>TypeScript: Strongly typed language for building scalable applications.</a:t>
             </a:r>
-            <a:endParaRPr lang="en-US"/>
           </a:p>
         </p:txBody>
       </p:sp>
@@ -4764,7 +4829,14 @@
         <p:cNvGrpSpPr/>
         <p:nvPr/>
       </p:nvGrpSpPr>
-      <p:grpSpPr/>
+      <p:grpSpPr>
+        <a:xfrm>
+          <a:off x="0" y="0"/>
+          <a:ext cx="0" cy="0"/>
+          <a:chOff x="0" y="0"/>
+          <a:chExt cx="0" cy="0"/>
+        </a:xfrm>
+      </p:grpSpPr>
       <p:sp>
         <p:nvSpPr>
           <p:cNvPr id="4" name="Title 3"/>
@@ -4778,12 +4850,12 @@
         <p:spPr/>
         <p:txBody>
           <a:bodyPr/>
+          <a:lstStyle/>
           <a:p>
             <a:r>
               <a:rPr lang="en-US"/>
               <a:t>Unaddressed Topics</a:t>
             </a:r>
-            <a:endParaRPr lang="en-US"/>
           </a:p>
         </p:txBody>
       </p:sp>
@@ -4807,12 +4879,12 @@
           <a:bodyPr>
             <a:normAutofit/>
           </a:bodyPr>
+          <a:lstStyle/>
           <a:p>
             <a:r>
               <a:rPr lang="en-US"/>
               <a:t>Node.js:</a:t>
             </a:r>
-            <a:endParaRPr lang="en-US"/>
           </a:p>
           <a:p>
             <a:pPr lvl="1"/>
@@ -4820,7 +4892,6 @@
               <a:rPr lang="en-US"/>
               <a:t>Non-blocking I/O for high concurrency</a:t>
             </a:r>
-            <a:endParaRPr lang="en-US"/>
           </a:p>
           <a:p>
             <a:pPr lvl="1"/>
@@ -4828,7 +4899,6 @@
               <a:rPr lang="en-US"/>
               <a:t>Rich set of built-in modules</a:t>
             </a:r>
-            <a:endParaRPr lang="en-US"/>
           </a:p>
           <a:p>
             <a:pPr lvl="1"/>
@@ -4836,7 +4906,6 @@
               <a:rPr lang="en-US"/>
               <a:t>npm for package management</a:t>
             </a:r>
-            <a:endParaRPr lang="en-US"/>
           </a:p>
           <a:p>
             <a:pPr lvl="1"/>
@@ -4844,14 +4913,12 @@
               <a:rPr lang="en-US"/>
               <a:t>Event-driven architecture for asynchronous operations</a:t>
             </a:r>
-            <a:endParaRPr lang="en-US"/>
           </a:p>
           <a:p>
             <a:r>
               <a:rPr lang="en-US"/>
               <a:t>Containerization with Docker:</a:t>
             </a:r>
-            <a:endParaRPr lang="en-US"/>
           </a:p>
           <a:p>
             <a:pPr lvl="1"/>
@@ -4859,7 +4926,6 @@
               <a:rPr lang="en-US"/>
               <a:t>Packaging applications and dependencies into container images</a:t>
             </a:r>
-            <a:endParaRPr lang="en-US"/>
           </a:p>
           <a:p>
             <a:pPr lvl="1"/>
@@ -4867,7 +4933,6 @@
               <a:rPr lang="en-US"/>
               <a:t>Portability across different environments</a:t>
             </a:r>
-            <a:endParaRPr lang="en-US"/>
           </a:p>
         </p:txBody>
       </p:sp>
@@ -4888,7 +4953,14 @@
         <p:cNvGrpSpPr/>
         <p:nvPr/>
       </p:nvGrpSpPr>
-      <p:grpSpPr/>
+      <p:grpSpPr>
+        <a:xfrm>
+          <a:off x="0" y="0"/>
+          <a:ext cx="0" cy="0"/>
+          <a:chOff x="0" y="0"/>
+          <a:chExt cx="0" cy="0"/>
+        </a:xfrm>
+      </p:grpSpPr>
       <p:sp>
         <p:nvSpPr>
           <p:cNvPr id="4" name="Title 3"/>
@@ -4902,6 +4974,7 @@
         <p:spPr/>
         <p:txBody>
           <a:bodyPr/>
+          <a:lstStyle/>
           <a:p>
             <a:r>
               <a:rPr lang="en-US">
@@ -5172,6 +5245,8 @@
       </a:bgFillStyleLst>
     </a:fmtScheme>
   </a:themeElements>
+  <a:objectDefaults/>
+  <a:extraClrSchemeLst/>
   <a:extLst>
     <a:ext uri="{05A4C25C-085E-4340-85A3-A5531E510DB2}">
       <thm15:themeFamily xmlns:thm15="http://schemas.microsoft.com/office/thememl/2012/main" name="Office Theme" id="{62F939B6-93AF-4DB8-9C6B-D6C7DFDC589F}" vid="{4A3C46E8-61CC-4603-A589-7422A47A8E4A}"/>
